--- a/20170311.VisualStudioEverywhere.WindowsContainer/slides.pptx
+++ b/20170311.VisualStudioEverywhere.WindowsContainer/slides.pptx
@@ -245,7 +245,7 @@
           <a:p>
             <a:fld id="{A14229F0-6F9D-41CD-A6D8-76BCCF047171}" type="datetimeFigureOut">
               <a:rPr lang="zh-TW" altLang="en-US" smtClean="0"/>
-              <a:t>2017/3/10</a:t>
+              <a:t>2017/3/30</a:t>
             </a:fld>
             <a:endParaRPr lang="zh-TW" altLang="en-US"/>
           </a:p>
@@ -2659,7 +2659,7 @@
           <a:p>
             <a:fld id="{036662CF-C7B0-4E0D-A8EF-6C346E54F2F8}" type="datetimeFigureOut">
               <a:rPr lang="zh-TW" altLang="en-US" smtClean="0"/>
-              <a:t>2017/3/10</a:t>
+              <a:t>2017/3/30</a:t>
             </a:fld>
             <a:endParaRPr lang="zh-TW" altLang="en-US"/>
           </a:p>
@@ -2867,7 +2867,7 @@
           <a:p>
             <a:fld id="{036662CF-C7B0-4E0D-A8EF-6C346E54F2F8}" type="datetimeFigureOut">
               <a:rPr lang="zh-TW" altLang="en-US" smtClean="0"/>
-              <a:t>2017/3/10</a:t>
+              <a:t>2017/3/30</a:t>
             </a:fld>
             <a:endParaRPr lang="zh-TW" altLang="en-US"/>
           </a:p>
@@ -3123,7 +3123,7 @@
           <a:p>
             <a:fld id="{036662CF-C7B0-4E0D-A8EF-6C346E54F2F8}" type="datetimeFigureOut">
               <a:rPr lang="zh-TW" altLang="en-US" smtClean="0"/>
-              <a:t>2017/3/10</a:t>
+              <a:t>2017/3/30</a:t>
             </a:fld>
             <a:endParaRPr lang="zh-TW" altLang="en-US"/>
           </a:p>
@@ -7005,7 +7005,7 @@
           <a:p>
             <a:fld id="{036662CF-C7B0-4E0D-A8EF-6C346E54F2F8}" type="datetimeFigureOut">
               <a:rPr lang="zh-TW" altLang="en-US" smtClean="0"/>
-              <a:t>2017/3/10</a:t>
+              <a:t>2017/3/30</a:t>
             </a:fld>
             <a:endParaRPr lang="zh-TW" altLang="en-US"/>
           </a:p>
@@ -8146,7 +8146,7 @@
           <a:p>
             <a:fld id="{036662CF-C7B0-4E0D-A8EF-6C346E54F2F8}" type="datetimeFigureOut">
               <a:rPr lang="zh-TW" altLang="en-US" smtClean="0"/>
-              <a:t>2017/3/10</a:t>
+              <a:t>2017/3/30</a:t>
             </a:fld>
             <a:endParaRPr lang="zh-TW" altLang="en-US"/>
           </a:p>
@@ -12408,7 +12408,7 @@
           <a:p>
             <a:fld id="{036662CF-C7B0-4E0D-A8EF-6C346E54F2F8}" type="datetimeFigureOut">
               <a:rPr lang="zh-TW" altLang="en-US" smtClean="0"/>
-              <a:t>2017/3/10</a:t>
+              <a:t>2017/3/30</a:t>
             </a:fld>
             <a:endParaRPr lang="zh-TW" altLang="en-US"/>
           </a:p>
@@ -14433,7 +14433,7 @@
           <a:p>
             <a:fld id="{036662CF-C7B0-4E0D-A8EF-6C346E54F2F8}" type="datetimeFigureOut">
               <a:rPr lang="zh-TW" altLang="en-US" smtClean="0"/>
-              <a:t>2017/3/10</a:t>
+              <a:t>2017/3/30</a:t>
             </a:fld>
             <a:endParaRPr lang="zh-TW" altLang="en-US"/>
           </a:p>
@@ -15735,7 +15735,7 @@
           <a:p>
             <a:fld id="{036662CF-C7B0-4E0D-A8EF-6C346E54F2F8}" type="datetimeFigureOut">
               <a:rPr lang="zh-TW" altLang="en-US" smtClean="0"/>
-              <a:t>2017/3/10</a:t>
+              <a:t>2017/3/30</a:t>
             </a:fld>
             <a:endParaRPr lang="zh-TW" altLang="en-US"/>
           </a:p>
@@ -15906,7 +15906,7 @@
           <a:p>
             <a:fld id="{036662CF-C7B0-4E0D-A8EF-6C346E54F2F8}" type="datetimeFigureOut">
               <a:rPr lang="zh-TW" altLang="en-US" smtClean="0"/>
-              <a:t>2017/3/10</a:t>
+              <a:t>2017/3/30</a:t>
             </a:fld>
             <a:endParaRPr lang="zh-TW" altLang="en-US"/>
           </a:p>
@@ -16299,7 +16299,7 @@
             <a:fld id="{036662CF-C7B0-4E0D-A8EF-6C346E54F2F8}" type="datetimeFigureOut">
               <a:rPr lang="zh-TW" altLang="en-US" smtClean="0"/>
               <a:pPr/>
-              <a:t>2017/3/10</a:t>
+              <a:t>2017/3/30</a:t>
             </a:fld>
             <a:endParaRPr lang="zh-TW" altLang="en-US"/>
           </a:p>
@@ -16700,7 +16700,7 @@
             <a:fld id="{036662CF-C7B0-4E0D-A8EF-6C346E54F2F8}" type="datetimeFigureOut">
               <a:rPr lang="zh-TW" altLang="en-US" smtClean="0"/>
               <a:pPr/>
-              <a:t>2017/3/10</a:t>
+              <a:t>2017/3/30</a:t>
             </a:fld>
             <a:endParaRPr lang="zh-TW" altLang="en-US"/>
           </a:p>
@@ -17002,7 +17002,7 @@
           <a:p>
             <a:fld id="{036662CF-C7B0-4E0D-A8EF-6C346E54F2F8}" type="datetimeFigureOut">
               <a:rPr lang="zh-TW" altLang="en-US" smtClean="0"/>
-              <a:t>2017/3/10</a:t>
+              <a:t>2017/3/30</a:t>
             </a:fld>
             <a:endParaRPr lang="zh-TW" altLang="en-US"/>
           </a:p>
@@ -21628,21 +21628,7 @@
                 <a:latin typeface="微軟正黑體" panose="020B0604030504040204" pitchFamily="34" charset="-120"/>
                 <a:ea typeface="微軟正黑體" panose="020B0604030504040204" pitchFamily="34" charset="-120"/>
               </a:rPr>
-              <a:t>- for </a:t>
-            </a:r>
-            <a:r>
-              <a:rPr lang="en-US" altLang="zh-TW" sz="6600" b="1" dirty="0" smtClean="0">
-                <a:latin typeface="微軟正黑體" panose="020B0604030504040204" pitchFamily="34" charset="-120"/>
-                <a:ea typeface="微軟正黑體" panose="020B0604030504040204" pitchFamily="34" charset="-120"/>
-              </a:rPr>
-              <a:t>.NET </a:t>
-            </a:r>
-            <a:r>
-              <a:rPr lang="en-US" altLang="zh-TW" sz="6600" b="1" dirty="0" smtClean="0">
-                <a:latin typeface="微軟正黑體" panose="020B0604030504040204" pitchFamily="34" charset="-120"/>
-                <a:ea typeface="微軟正黑體" panose="020B0604030504040204" pitchFamily="34" charset="-120"/>
-              </a:rPr>
-              <a:t>Developers</a:t>
+              <a:t>- for .NET Developers</a:t>
             </a:r>
             <a:endParaRPr lang="zh-TW" altLang="en-US" sz="6600" dirty="0">
               <a:latin typeface="微軟正黑體" panose="020B0604030504040204" pitchFamily="34" charset="-120"/>
@@ -28488,11 +28474,9 @@
               <a:t>請支持 安德魯的部落格 </a:t>
             </a:r>
             <a:r>
-              <a:rPr lang="en-US" altLang="zh-TW" dirty="0"/>
+              <a:rPr lang="en-US" altLang="zh-TW" dirty="0" smtClean="0"/>
               <a:t>~</a:t>
             </a:r>
-          </a:p>
-          <a:p>
             <a:endParaRPr lang="en-US" altLang="zh-TW" dirty="0"/>
           </a:p>
           <a:p>
@@ -28565,6 +28549,48 @@
           </a:extLst>
         </p:spPr>
       </p:pic>
+      <p:sp>
+        <p:nvSpPr>
+          <p:cNvPr id="6" name="文字方塊 5"/>
+          <p:cNvSpPr txBox="1"/>
+          <p:nvPr/>
+        </p:nvSpPr>
+        <p:spPr>
+          <a:xfrm>
+            <a:off x="1097280" y="4947509"/>
+            <a:ext cx="4622804" cy="369332"/>
+          </a:xfrm>
+          <a:prstGeom prst="rect">
+            <a:avLst/>
+          </a:prstGeom>
+          <a:noFill/>
+        </p:spPr>
+        <p:txBody>
+          <a:bodyPr wrap="none" rtlCol="0">
+            <a:spAutoFit/>
+          </a:bodyPr>
+          <a:lstStyle/>
+          <a:p>
+            <a:r>
+              <a:rPr lang="en-US" dirty="0"/>
+              <a:t>https://www.facebook.com/</a:t>
+            </a:r>
+            <a:r>
+              <a:rPr lang="en-US" b="1" dirty="0">
+                <a:solidFill>
+                  <a:srgbClr val="FF0000"/>
+                </a:solidFill>
+              </a:rPr>
+              <a:t>andrew.blog.0928</a:t>
+            </a:r>
+            <a:r>
+              <a:rPr lang="en-US" dirty="0" smtClean="0"/>
+              <a:t>/</a:t>
+            </a:r>
+            <a:endParaRPr lang="en-US" dirty="0"/>
+          </a:p>
+        </p:txBody>
+      </p:sp>
     </p:spTree>
     <p:extLst>
       <p:ext uri="{BB962C8B-B14F-4D97-AF65-F5344CB8AC3E}">
@@ -45182,14 +45208,7 @@
                 <a:latin typeface="微軟正黑體" panose="020B0604030504040204" pitchFamily="34" charset="-120"/>
                 <a:ea typeface="微軟正黑體" panose="020B0604030504040204" pitchFamily="34" charset="-120"/>
               </a:rPr>
-              <a:t>有效控制軟體開發的複雜度</a:t>
-            </a:r>
-            <a:r>
-              <a:rPr lang="zh-TW" altLang="en-US" sz="2400" dirty="0" smtClean="0">
-                <a:latin typeface="微軟正黑體" panose="020B0604030504040204" pitchFamily="34" charset="-120"/>
-                <a:ea typeface="微軟正黑體" panose="020B0604030504040204" pitchFamily="34" charset="-120"/>
-              </a:rPr>
-              <a:t>。</a:t>
+              <a:t>有效控制軟體開發的複雜度。</a:t>
             </a:r>
             <a:endParaRPr lang="en-US" altLang="zh-TW" sz="2400" dirty="0" smtClean="0">
               <a:latin typeface="微軟正黑體" panose="020B0604030504040204" pitchFamily="34" charset="-120"/>
@@ -45764,13 +45783,6 @@
                 <a:ea typeface="微軟正黑體" panose="020B0604030504040204" pitchFamily="34" charset="-120"/>
               </a:rPr>
               <a:t>Container</a:t>
-            </a:r>
-            <a:r>
-              <a:rPr lang="en-US" altLang="zh-TW" sz="6600" dirty="0" smtClean="0">
-                <a:latin typeface="微軟正黑體" panose="020B0604030504040204" pitchFamily="34" charset="-120"/>
-                <a:ea typeface="微軟正黑體" panose="020B0604030504040204" pitchFamily="34" charset="-120"/>
-              </a:rPr>
-              <a:t/>
             </a:r>
             <a:br>
               <a:rPr lang="en-US" altLang="zh-TW" sz="6600" dirty="0" smtClean="0">
